--- a/Skaidres/WcDonaldas_2Sprintas.pptx
+++ b/Skaidres/WcDonaldas_2Sprintas.pptx
@@ -31,6 +31,11 @@
       <p:bold r:id="rId14"/>
       <p:italic r:id="rId15"/>
       <p:boldItalic r:id="rId16"/>
+    </p:embeddedFont>
+    <p:embeddedFont>
+      <p:font typeface="Tahoma" panose="020B0604030504040204" pitchFamily="34" charset="0"/>
+      <p:regular r:id="rId17"/>
+      <p:bold r:id="rId18"/>
     </p:embeddedFont>
   </p:embeddedFontLst>
   <p:defaultTextStyle>
@@ -6692,12 +6697,22 @@
                 <a:cs typeface="Lato"/>
                 <a:sym typeface="Lato"/>
               </a:rPr>
-              <a:t>GitHub -</a:t>
+              <a:t>GitHub - </a:t>
+            </a:r>
+            <a:r>
+              <a:rPr lang="en-US" sz="1100" b="0" i="0" dirty="0">
+                <a:effectLst/>
+                <a:latin typeface="Tahoma" panose="020B0604030504040204" pitchFamily="34" charset="0"/>
+                <a:ea typeface="Tahoma" panose="020B0604030504040204" pitchFamily="34" charset="0"/>
+                <a:cs typeface="Tahoma" panose="020B0604030504040204" pitchFamily="34" charset="0"/>
+                <a:hlinkClick r:id="rId3" tooltip="https://github.com/MartynasKul/WcDSim"/>
+              </a:rPr>
+              <a:t>https://github.com/MartynasKul/WcDSim</a:t>
             </a:r>
             <a:endParaRPr sz="1700" dirty="0">
-              <a:latin typeface="Lato"/>
-              <a:ea typeface="Lato"/>
-              <a:cs typeface="Lato"/>
+              <a:latin typeface="Tahoma" panose="020B0604030504040204" pitchFamily="34" charset="0"/>
+              <a:ea typeface="Tahoma" panose="020B0604030504040204" pitchFamily="34" charset="0"/>
+              <a:cs typeface="Tahoma" panose="020B0604030504040204" pitchFamily="34" charset="0"/>
               <a:sym typeface="Lato"/>
             </a:endParaRPr>
           </a:p>
@@ -6716,7 +6731,7 @@
           <p:nvPr/>
         </p:nvPicPr>
         <p:blipFill>
-          <a:blip r:embed="rId3">
+          <a:blip r:embed="rId4">
             <a:alphaModFix/>
           </a:blip>
           <a:stretch>
@@ -6735,6 +6750,36 @@
           <a:ln>
             <a:noFill/>
           </a:ln>
+        </p:spPr>
+      </p:pic>
+      <p:pic>
+        <p:nvPicPr>
+          <p:cNvPr id="4" name="Picture 3">
+            <a:extLst>
+              <a:ext uri="{FF2B5EF4-FFF2-40B4-BE49-F238E27FC236}">
+                <a16:creationId xmlns:a16="http://schemas.microsoft.com/office/drawing/2014/main" id="{1E6E93B2-41F6-86B3-8F0E-AE9EA5E12289}"/>
+              </a:ext>
+            </a:extLst>
+          </p:cNvPr>
+          <p:cNvPicPr>
+            <a:picLocks noChangeAspect="1"/>
+          </p:cNvPicPr>
+          <p:nvPr/>
+        </p:nvPicPr>
+        <p:blipFill>
+          <a:blip r:embed="rId5"/>
+          <a:stretch>
+            <a:fillRect/>
+          </a:stretch>
+        </p:blipFill>
+        <p:spPr>
+          <a:xfrm>
+            <a:off x="753648" y="2662536"/>
+            <a:ext cx="3886742" cy="1924319"/>
+          </a:xfrm>
+          <a:prstGeom prst="rect">
+            <a:avLst/>
+          </a:prstGeom>
         </p:spPr>
       </p:pic>
     </p:spTree>
@@ -7044,52 +7089,6 @@
           </a:p>
         </p:txBody>
       </p:sp>
-      <p:sp>
-        <p:nvSpPr>
-          <p:cNvPr id="98" name="Google Shape;98;p17"/>
-          <p:cNvSpPr txBox="1">
-            <a:spLocks noGrp="1"/>
-          </p:cNvSpPr>
-          <p:nvPr>
-            <p:ph type="title" idx="4294967295"/>
-          </p:nvPr>
-        </p:nvSpPr>
-        <p:spPr>
-          <a:xfrm>
-            <a:off x="452648" y="3519607"/>
-            <a:ext cx="6286981" cy="1466944"/>
-          </a:xfrm>
-          <a:prstGeom prst="rect">
-            <a:avLst/>
-          </a:prstGeom>
-        </p:spPr>
-        <p:txBody>
-          <a:bodyPr spcFirstLastPara="1" wrap="square" lIns="91425" tIns="91425" rIns="91425" bIns="91425" anchor="t" anchorCtr="0">
-            <a:noAutofit/>
-          </a:bodyPr>
-          <a:lstStyle/>
-          <a:p>
-            <a:pPr marL="0" lvl="0" indent="0" algn="l" rtl="0">
-              <a:lnSpc>
-                <a:spcPct val="115000"/>
-              </a:lnSpc>
-              <a:spcBef>
-                <a:spcPts val="0"/>
-              </a:spcBef>
-              <a:spcAft>
-                <a:spcPts val="1600"/>
-              </a:spcAft>
-              <a:buNone/>
-            </a:pPr>
-            <a:endParaRPr sz="1700" dirty="0">
-              <a:latin typeface="Lato"/>
-              <a:ea typeface="Lato"/>
-              <a:cs typeface="Lato"/>
-              <a:sym typeface="Lato"/>
-            </a:endParaRPr>
-          </a:p>
-        </p:txBody>
-      </p:sp>
       <p:pic>
         <p:nvPicPr>
           <p:cNvPr id="1026" name="Picture 2" descr="Sword Art Online GUI - VR Dev Log - 02">
@@ -7119,8 +7118,8 @@
         </p:blipFill>
         <p:spPr bwMode="auto">
           <a:xfrm>
-            <a:off x="6266873" y="976914"/>
-            <a:ext cx="2300369" cy="1293958"/>
+            <a:off x="5417125" y="834085"/>
+            <a:ext cx="3541359" cy="1992015"/>
           </a:xfrm>
           <a:prstGeom prst="rect">
             <a:avLst/>
@@ -7166,8 +7165,8 @@
         </p:blipFill>
         <p:spPr bwMode="auto">
           <a:xfrm>
-            <a:off x="6266873" y="2498423"/>
-            <a:ext cx="2300369" cy="1293958"/>
+            <a:off x="5417126" y="2909439"/>
+            <a:ext cx="3541359" cy="1992015"/>
           </a:xfrm>
           <a:prstGeom prst="rect">
             <a:avLst/>

--- a/Skaidres/WcDonaldas_2Sprintas.pptx
+++ b/Skaidres/WcDonaldas_2Sprintas.pptx
@@ -5,37 +5,38 @@
     <p:sldMasterId id="2147483659" r:id="rId1"/>
   </p:sldMasterIdLst>
   <p:notesMasterIdLst>
-    <p:notesMasterId r:id="rId8"/>
+    <p:notesMasterId r:id="rId9"/>
   </p:notesMasterIdLst>
   <p:sldIdLst>
     <p:sldId id="256" r:id="rId2"/>
     <p:sldId id="257" r:id="rId3"/>
     <p:sldId id="258" r:id="rId4"/>
-    <p:sldId id="259" r:id="rId5"/>
-    <p:sldId id="260" r:id="rId6"/>
-    <p:sldId id="265" r:id="rId7"/>
+    <p:sldId id="266" r:id="rId5"/>
+    <p:sldId id="259" r:id="rId6"/>
+    <p:sldId id="260" r:id="rId7"/>
+    <p:sldId id="265" r:id="rId8"/>
   </p:sldIdLst>
   <p:sldSz cx="9144000" cy="5143500" type="screen16x9"/>
   <p:notesSz cx="6858000" cy="9144000"/>
   <p:embeddedFontLst>
     <p:embeddedFont>
       <p:font typeface="Lato" panose="020F0502020204030203" pitchFamily="34" charset="0"/>
-      <p:regular r:id="rId9"/>
-      <p:bold r:id="rId10"/>
-      <p:italic r:id="rId11"/>
-      <p:boldItalic r:id="rId12"/>
+      <p:regular r:id="rId10"/>
+      <p:bold r:id="rId11"/>
+      <p:italic r:id="rId12"/>
+      <p:boldItalic r:id="rId13"/>
     </p:embeddedFont>
     <p:embeddedFont>
       <p:font typeface="Raleway" pitchFamily="2" charset="0"/>
-      <p:regular r:id="rId13"/>
-      <p:bold r:id="rId14"/>
-      <p:italic r:id="rId15"/>
-      <p:boldItalic r:id="rId16"/>
+      <p:regular r:id="rId14"/>
+      <p:bold r:id="rId15"/>
+      <p:italic r:id="rId16"/>
+      <p:boldItalic r:id="rId17"/>
     </p:embeddedFont>
     <p:embeddedFont>
       <p:font typeface="Tahoma" panose="020B0604030504040204" pitchFamily="34" charset="0"/>
-      <p:regular r:id="rId17"/>
-      <p:bold r:id="rId18"/>
+      <p:regular r:id="rId18"/>
+      <p:bold r:id="rId19"/>
     </p:embeddedFont>
   </p:embeddedFontLst>
   <p:defaultTextStyle>
@@ -1136,6 +1137,11 @@
         </p:txBody>
       </p:sp>
     </p:spTree>
+    <p:extLst>
+      <p:ext uri="{BB962C8B-B14F-4D97-AF65-F5344CB8AC3E}">
+        <p14:creationId xmlns:p14="http://schemas.microsoft.com/office/powerpoint/2010/main" val="3939184959"/>
+      </p:ext>
+    </p:extLst>
   </p:cSld>
   <p:clrMapOvr>
     <a:masterClrMapping/>
@@ -1144,6 +1150,110 @@
 </file>
 
 <file path=ppt/notesSlides/notesSlide5.xml><?xml version="1.0" encoding="utf-8"?>
+<p:notes xmlns:a="http://schemas.openxmlformats.org/drawingml/2006/main" xmlns:r="http://schemas.openxmlformats.org/officeDocument/2006/relationships" xmlns:p="http://schemas.openxmlformats.org/presentationml/2006/main" showMasterSp="0" showMasterPhAnim="0">
+  <p:cSld>
+    <p:spTree>
+      <p:nvGrpSpPr>
+        <p:cNvPr id="1" name="Shape 87"/>
+        <p:cNvGrpSpPr/>
+        <p:nvPr/>
+      </p:nvGrpSpPr>
+      <p:grpSpPr>
+        <a:xfrm>
+          <a:off x="0" y="0"/>
+          <a:ext cx="0" cy="0"/>
+          <a:chOff x="0" y="0"/>
+          <a:chExt cx="0" cy="0"/>
+        </a:xfrm>
+      </p:grpSpPr>
+      <p:sp>
+        <p:nvSpPr>
+          <p:cNvPr id="88" name="Google Shape;88;g300c7c21a7b_1_9:notes"/>
+          <p:cNvSpPr>
+            <a:spLocks noGrp="1" noRot="1" noChangeAspect="1"/>
+          </p:cNvSpPr>
+          <p:nvPr>
+            <p:ph type="sldImg" idx="2"/>
+          </p:nvPr>
+        </p:nvSpPr>
+        <p:spPr>
+          <a:xfrm>
+            <a:off x="381000" y="685800"/>
+            <a:ext cx="6096000" cy="3429000"/>
+          </a:xfrm>
+          <a:custGeom>
+            <a:avLst/>
+            <a:gdLst/>
+            <a:ahLst/>
+            <a:cxnLst/>
+            <a:rect l="l" t="t" r="r" b="b"/>
+            <a:pathLst>
+              <a:path w="120000" h="120000" extrusionOk="0">
+                <a:moveTo>
+                  <a:pt x="0" y="0"/>
+                </a:moveTo>
+                <a:lnTo>
+                  <a:pt x="120000" y="0"/>
+                </a:lnTo>
+                <a:lnTo>
+                  <a:pt x="120000" y="120000"/>
+                </a:lnTo>
+                <a:lnTo>
+                  <a:pt x="0" y="120000"/>
+                </a:lnTo>
+                <a:close/>
+              </a:path>
+            </a:pathLst>
+          </a:custGeom>
+        </p:spPr>
+      </p:sp>
+      <p:sp>
+        <p:nvSpPr>
+          <p:cNvPr id="89" name="Google Shape;89;g300c7c21a7b_1_9:notes"/>
+          <p:cNvSpPr txBox="1">
+            <a:spLocks noGrp="1"/>
+          </p:cNvSpPr>
+          <p:nvPr>
+            <p:ph type="body" idx="1"/>
+          </p:nvPr>
+        </p:nvSpPr>
+        <p:spPr>
+          <a:xfrm>
+            <a:off x="685800" y="4343400"/>
+            <a:ext cx="5486400" cy="4114800"/>
+          </a:xfrm>
+          <a:prstGeom prst="rect">
+            <a:avLst/>
+          </a:prstGeom>
+        </p:spPr>
+        <p:txBody>
+          <a:bodyPr spcFirstLastPara="1" wrap="square" lIns="91425" tIns="91425" rIns="91425" bIns="91425" anchor="t" anchorCtr="0">
+            <a:noAutofit/>
+          </a:bodyPr>
+          <a:lstStyle/>
+          <a:p>
+            <a:pPr marL="0" lvl="0" indent="0" algn="l" rtl="0">
+              <a:spcBef>
+                <a:spcPts val="0"/>
+              </a:spcBef>
+              <a:spcAft>
+                <a:spcPts val="0"/>
+              </a:spcAft>
+              <a:buNone/>
+            </a:pPr>
+            <a:endParaRPr/>
+          </a:p>
+        </p:txBody>
+      </p:sp>
+    </p:spTree>
+  </p:cSld>
+  <p:clrMapOvr>
+    <a:masterClrMapping/>
+  </p:clrMapOvr>
+</p:notes>
+</file>
+
+<file path=ppt/notesSlides/notesSlide6.xml><?xml version="1.0" encoding="utf-8"?>
 <p:notes xmlns:a="http://schemas.openxmlformats.org/drawingml/2006/main" xmlns:r="http://schemas.openxmlformats.org/officeDocument/2006/relationships" xmlns:p="http://schemas.openxmlformats.org/presentationml/2006/main" showMasterSp="0" showMasterPhAnim="0">
   <p:cSld>
     <p:spTree>
@@ -1247,7 +1357,7 @@
 </p:notes>
 </file>
 
-<file path=ppt/notesSlides/notesSlide6.xml><?xml version="1.0" encoding="utf-8"?>
+<file path=ppt/notesSlides/notesSlide7.xml><?xml version="1.0" encoding="utf-8"?>
 <p:notes xmlns:a="http://schemas.openxmlformats.org/drawingml/2006/main" xmlns:r="http://schemas.openxmlformats.org/officeDocument/2006/relationships" xmlns:p="http://schemas.openxmlformats.org/presentationml/2006/main" showMasterSp="0" showMasterPhAnim="0">
   <p:cSld>
     <p:spTree>
@@ -6556,30 +6666,32 @@
       </p:sp>
       <p:pic>
         <p:nvPicPr>
-          <p:cNvPr id="80" name="Google Shape;80;p14" descr="Book titled, &quot;Made To Stick,&quot; standing on its side"/>
-          <p:cNvPicPr preferRelativeResize="0"/>
+          <p:cNvPr id="3" name="Picture 2">
+            <a:extLst>
+              <a:ext uri="{FF2B5EF4-FFF2-40B4-BE49-F238E27FC236}">
+                <a16:creationId xmlns:a16="http://schemas.microsoft.com/office/drawing/2014/main" id="{D82DE454-4D10-225D-614B-A03AFE03C7CD}"/>
+              </a:ext>
+            </a:extLst>
+          </p:cNvPr>
+          <p:cNvPicPr>
+            <a:picLocks noChangeAspect="1"/>
+          </p:cNvPicPr>
           <p:nvPr/>
         </p:nvPicPr>
         <p:blipFill>
-          <a:blip r:embed="rId3">
-            <a:alphaModFix/>
-          </a:blip>
+          <a:blip r:embed="rId3"/>
           <a:stretch>
             <a:fillRect/>
           </a:stretch>
         </p:blipFill>
         <p:spPr>
           <a:xfrm>
-            <a:off x="7343776" y="2804500"/>
-            <a:ext cx="1572275" cy="2051350"/>
+            <a:off x="5579277" y="2027381"/>
+            <a:ext cx="3262367" cy="1873827"/>
           </a:xfrm>
           <a:prstGeom prst="rect">
             <a:avLst/>
           </a:prstGeom>
-          <a:noFill/>
-          <a:ln>
-            <a:noFill/>
-          </a:ln>
         </p:spPr>
       </p:pic>
     </p:spTree>
@@ -7019,6 +7131,11 @@
         </p:spPr>
       </p:pic>
     </p:spTree>
+    <p:extLst>
+      <p:ext uri="{BB962C8B-B14F-4D97-AF65-F5344CB8AC3E}">
+        <p14:creationId xmlns:p14="http://schemas.microsoft.com/office/powerpoint/2010/main" val="3220454887"/>
+      </p:ext>
+    </p:extLst>
   </p:cSld>
   <p:clrMapOvr>
     <a:masterClrMapping/>
@@ -7027,6 +7144,107 @@
 </file>
 
 <file path=ppt/slides/slide5.xml><?xml version="1.0" encoding="utf-8"?>
+<p:sld xmlns:a="http://schemas.openxmlformats.org/drawingml/2006/main" xmlns:r="http://schemas.openxmlformats.org/officeDocument/2006/relationships" xmlns:p="http://schemas.openxmlformats.org/presentationml/2006/main">
+  <p:cSld>
+    <p:spTree>
+      <p:nvGrpSpPr>
+        <p:cNvPr id="1" name="Shape 90"/>
+        <p:cNvGrpSpPr/>
+        <p:nvPr/>
+      </p:nvGrpSpPr>
+      <p:grpSpPr>
+        <a:xfrm>
+          <a:off x="0" y="0"/>
+          <a:ext cx="0" cy="0"/>
+          <a:chOff x="0" y="0"/>
+          <a:chExt cx="0" cy="0"/>
+        </a:xfrm>
+      </p:grpSpPr>
+      <p:sp>
+        <p:nvSpPr>
+          <p:cNvPr id="91" name="Google Shape;91;p16"/>
+          <p:cNvSpPr txBox="1">
+            <a:spLocks noGrp="1"/>
+          </p:cNvSpPr>
+          <p:nvPr>
+            <p:ph type="title" idx="4294967295"/>
+          </p:nvPr>
+        </p:nvSpPr>
+        <p:spPr>
+          <a:xfrm>
+            <a:off x="535775" y="227241"/>
+            <a:ext cx="5197200" cy="768000"/>
+          </a:xfrm>
+          <a:prstGeom prst="rect">
+            <a:avLst/>
+          </a:prstGeom>
+        </p:spPr>
+        <p:txBody>
+          <a:bodyPr spcFirstLastPara="1" wrap="square" lIns="91425" tIns="91425" rIns="91425" bIns="91425" anchor="t" anchorCtr="0">
+            <a:noAutofit/>
+          </a:bodyPr>
+          <a:lstStyle/>
+          <a:p>
+            <a:pPr marL="0" lvl="0" indent="0" algn="l" rtl="0">
+              <a:spcBef>
+                <a:spcPts val="0"/>
+              </a:spcBef>
+              <a:spcAft>
+                <a:spcPts val="1600"/>
+              </a:spcAft>
+              <a:buNone/>
+            </a:pPr>
+            <a:r>
+              <a:rPr lang="lt-LT" sz="3600" dirty="0">
+                <a:solidFill>
+                  <a:schemeClr val="dk1"/>
+                </a:solidFill>
+              </a:rPr>
+              <a:t>Žaidimų variklis</a:t>
+            </a:r>
+            <a:endParaRPr sz="2400" dirty="0"/>
+          </a:p>
+        </p:txBody>
+      </p:sp>
+      <p:pic>
+        <p:nvPicPr>
+          <p:cNvPr id="4" name="Picture 3">
+            <a:extLst>
+              <a:ext uri="{FF2B5EF4-FFF2-40B4-BE49-F238E27FC236}">
+                <a16:creationId xmlns:a16="http://schemas.microsoft.com/office/drawing/2014/main" id="{DBEDFEBF-6E64-9E0B-7EDD-65CD438C7DE6}"/>
+              </a:ext>
+            </a:extLst>
+          </p:cNvPr>
+          <p:cNvPicPr>
+            <a:picLocks noChangeAspect="1"/>
+          </p:cNvPicPr>
+          <p:nvPr/>
+        </p:nvPicPr>
+        <p:blipFill>
+          <a:blip r:embed="rId3"/>
+          <a:stretch>
+            <a:fillRect/>
+          </a:stretch>
+        </p:blipFill>
+        <p:spPr>
+          <a:xfrm>
+            <a:off x="1140691" y="995241"/>
+            <a:ext cx="6566372" cy="3705365"/>
+          </a:xfrm>
+          <a:prstGeom prst="rect">
+            <a:avLst/>
+          </a:prstGeom>
+        </p:spPr>
+      </p:pic>
+    </p:spTree>
+  </p:cSld>
+  <p:clrMapOvr>
+    <a:masterClrMapping/>
+  </p:clrMapOvr>
+</p:sld>
+</file>
+
+<file path=ppt/slides/slide6.xml><?xml version="1.0" encoding="utf-8"?>
 <p:sld xmlns:a="http://schemas.openxmlformats.org/drawingml/2006/main" xmlns:r="http://schemas.openxmlformats.org/officeDocument/2006/relationships" xmlns:p="http://schemas.openxmlformats.org/presentationml/2006/main">
   <p:cSld>
     <p:spTree>
@@ -7221,7 +7439,7 @@
 </p:sld>
 </file>
 
-<file path=ppt/slides/slide6.xml><?xml version="1.0" encoding="utf-8"?>
+<file path=ppt/slides/slide7.xml><?xml version="1.0" encoding="utf-8"?>
 <p:sld xmlns:a="http://schemas.openxmlformats.org/drawingml/2006/main" xmlns:r="http://schemas.openxmlformats.org/officeDocument/2006/relationships" xmlns:p="http://schemas.openxmlformats.org/presentationml/2006/main">
   <p:cSld>
     <p:bg>
